--- a/Later/Generics/4/Java Generic class.pptx
+++ b/Later/Generics/4/Java Generic class.pptx
@@ -3749,7 +3749,7 @@
         </p:blipFill>
         <p:spPr bwMode="auto">
           <a:xfrm>
-            <a:off x="1279525" y="1462087"/>
+            <a:off x="958850" y="785814"/>
             <a:ext cx="2133600" cy="2085975"/>
           </a:xfrm>
           <a:prstGeom prst="rect">
@@ -3780,7 +3780,7 @@
         </p:nvSpPr>
         <p:spPr>
           <a:xfrm>
-            <a:off x="3733800" y="1666873"/>
+            <a:off x="3413125" y="990600"/>
             <a:ext cx="4191000" cy="1609725"/>
           </a:xfrm>
           <a:prstGeom prst="wedgeRoundRectCallout">
@@ -3866,6 +3866,176 @@
             <a:r>
               <a:rPr lang="en-US" sz="1200" dirty="0"/>
               <a:t>  The type you specify for the class, will be used to store and retrieve the data.</a:t>
+            </a:r>
+          </a:p>
+        </p:txBody>
+      </p:sp>
+      <p:sp>
+        <p:nvSpPr>
+          <p:cNvPr id="5" name="Rounded Rectangle 4"/>
+          <p:cNvSpPr/>
+          <p:nvPr/>
+        </p:nvSpPr>
+        <p:spPr>
+          <a:xfrm>
+            <a:off x="3328933" y="3678972"/>
+            <a:ext cx="1812925" cy="1066800"/>
+          </a:xfrm>
+          <a:prstGeom prst="roundRect">
+            <a:avLst/>
+          </a:prstGeom>
+        </p:spPr>
+        <p:style>
+          <a:lnRef idx="1">
+            <a:schemeClr val="accent2"/>
+          </a:lnRef>
+          <a:fillRef idx="3">
+            <a:schemeClr val="accent2"/>
+          </a:fillRef>
+          <a:effectRef idx="2">
+            <a:schemeClr val="accent2"/>
+          </a:effectRef>
+          <a:fontRef idx="minor">
+            <a:schemeClr val="lt1"/>
+          </a:fontRef>
+        </p:style>
+        <p:txBody>
+          <a:bodyPr rtlCol="0" anchor="ctr"/>
+          <a:lstStyle/>
+          <a:p>
+            <a:endParaRPr lang="en-US" sz="1200" dirty="0" smtClean="0"/>
+          </a:p>
+          <a:p>
+            <a:r>
+              <a:rPr lang="en-US" sz="1200" dirty="0" smtClean="0"/>
+              <a:t>T </a:t>
+            </a:r>
+            <a:r>
+              <a:rPr lang="en-US" sz="1200" dirty="0"/>
+              <a:t>- Type</a:t>
+            </a:r>
+          </a:p>
+          <a:p>
+            <a:r>
+              <a:rPr lang="en-US" sz="1200" dirty="0"/>
+              <a:t>E - Element</a:t>
+            </a:r>
+          </a:p>
+          <a:p>
+            <a:r>
+              <a:rPr lang="en-US" sz="1200" dirty="0"/>
+              <a:t>K - Key</a:t>
+            </a:r>
+          </a:p>
+          <a:p>
+            <a:r>
+              <a:rPr lang="en-US" sz="1200" dirty="0"/>
+              <a:t>N - Number</a:t>
+            </a:r>
+          </a:p>
+          <a:p>
+            <a:r>
+              <a:rPr lang="en-US" sz="1200" dirty="0"/>
+              <a:t>V - Value</a:t>
+            </a:r>
+          </a:p>
+          <a:p>
+            <a:pPr algn="ctr"/>
+            <a:endParaRPr lang="en-US" sz="1200" dirty="0"/>
+          </a:p>
+        </p:txBody>
+      </p:sp>
+      <p:sp>
+        <p:nvSpPr>
+          <p:cNvPr id="6" name="TextBox 5"/>
+          <p:cNvSpPr txBox="1"/>
+          <p:nvPr/>
+        </p:nvSpPr>
+        <p:spPr>
+          <a:xfrm>
+            <a:off x="3622566" y="3347145"/>
+            <a:ext cx="1225657" cy="276999"/>
+          </a:xfrm>
+          <a:prstGeom prst="rect">
+            <a:avLst/>
+          </a:prstGeom>
+        </p:spPr>
+        <p:style>
+          <a:lnRef idx="1">
+            <a:schemeClr val="accent1"/>
+          </a:lnRef>
+          <a:fillRef idx="2">
+            <a:schemeClr val="accent1"/>
+          </a:fillRef>
+          <a:effectRef idx="1">
+            <a:schemeClr val="accent1"/>
+          </a:effectRef>
+          <a:fontRef idx="minor">
+            <a:schemeClr val="dk1"/>
+          </a:fontRef>
+        </p:style>
+        <p:txBody>
+          <a:bodyPr wrap="none" rtlCol="0">
+            <a:spAutoFit/>
+          </a:bodyPr>
+          <a:lstStyle/>
+          <a:p>
+            <a:r>
+              <a:rPr lang="en-US" sz="1200" dirty="0"/>
+              <a:t>Type </a:t>
+            </a:r>
+            <a:r>
+              <a:rPr lang="en-US" sz="1200" dirty="0" smtClean="0"/>
+              <a:t>Parameters</a:t>
+            </a:r>
+            <a:endParaRPr lang="en-US" sz="1200" dirty="0"/>
+          </a:p>
+        </p:txBody>
+      </p:sp>
+      <p:sp>
+        <p:nvSpPr>
+          <p:cNvPr id="9" name="Rounded Rectangular Callout 8"/>
+          <p:cNvSpPr/>
+          <p:nvPr/>
+        </p:nvSpPr>
+        <p:spPr>
+          <a:xfrm>
+            <a:off x="5715000" y="3322725"/>
+            <a:ext cx="3048000" cy="889647"/>
+          </a:xfrm>
+          <a:prstGeom prst="wedgeRoundRectCallout">
+            <a:avLst>
+              <a:gd name="adj1" fmla="val -74271"/>
+              <a:gd name="adj2" fmla="val 14554"/>
+              <a:gd name="adj3" fmla="val 16667"/>
+            </a:avLst>
+          </a:prstGeom>
+        </p:spPr>
+        <p:style>
+          <a:lnRef idx="1">
+            <a:schemeClr val="accent4"/>
+          </a:lnRef>
+          <a:fillRef idx="2">
+            <a:schemeClr val="accent4"/>
+          </a:fillRef>
+          <a:effectRef idx="1">
+            <a:schemeClr val="accent4"/>
+          </a:effectRef>
+          <a:fontRef idx="minor">
+            <a:schemeClr val="dk1"/>
+          </a:fontRef>
+        </p:style>
+        <p:txBody>
+          <a:bodyPr rtlCol="0" anchor="ctr"/>
+          <a:lstStyle/>
+          <a:p>
+            <a:r>
+              <a:rPr lang="en-US" sz="1200" dirty="0"/>
+              <a:t>The type parameters naming conventions are important to learn generics thoroughly. The commonly type </a:t>
+            </a:r>
+            <a:r>
+              <a:rPr lang="en-US" sz="1200" dirty="0" smtClean="0"/>
+              <a:t>parameters are here.</a:t>
             </a:r>
             <a:endParaRPr lang="en-US" sz="1200" dirty="0"/>
           </a:p>
